--- a/ppt 16-9/0268.主必再来.pptx
+++ b/ppt 16-9/0268.主必再来.pptx
@@ -5,7 +5,7 @@
     <p:sldMasterId id="2147483648" r:id="rId1"/>
   </p:sldMasterIdLst>
   <p:sldIdLst>
-    <p:sldId id="3124" r:id="rId2"/>
+    <p:sldId id="3128" r:id="rId2"/>
   </p:sldIdLst>
   <p:sldSz cx="12192000" cy="6858000"/>
   <p:notesSz cx="6858000" cy="9144000"/>
@@ -129,7 +129,7 @@
           <p:cNvPr id="2" name="标题 1">
             <a:extLst>
               <a:ext uri="{FF2B5EF4-FFF2-40B4-BE49-F238E27FC236}">
-                <a16:creationId xmlns:a16="http://schemas.microsoft.com/office/drawing/2014/main" id="{D491C115-FE03-867D-E131-9838B34E8B91}"/>
+                <a16:creationId xmlns:a16="http://schemas.microsoft.com/office/drawing/2014/main" id="{A417E4C2-B137-CCE3-BEB0-D28D24A3DAD1}"/>
               </a:ext>
             </a:extLst>
           </p:cNvPr>
@@ -166,7 +166,7 @@
           <p:cNvPr id="3" name="副标题 2">
             <a:extLst>
               <a:ext uri="{FF2B5EF4-FFF2-40B4-BE49-F238E27FC236}">
-                <a16:creationId xmlns:a16="http://schemas.microsoft.com/office/drawing/2014/main" id="{FFEAD68E-5A78-B3BA-4994-F3AD334F478C}"/>
+                <a16:creationId xmlns:a16="http://schemas.microsoft.com/office/drawing/2014/main" id="{D06461F3-0A93-16DA-EBBE-84D0A0838028}"/>
               </a:ext>
             </a:extLst>
           </p:cNvPr>
@@ -236,7 +236,7 @@
           <p:cNvPr id="4" name="日期占位符 3">
             <a:extLst>
               <a:ext uri="{FF2B5EF4-FFF2-40B4-BE49-F238E27FC236}">
-                <a16:creationId xmlns:a16="http://schemas.microsoft.com/office/drawing/2014/main" id="{9EAC1D92-F1C3-2A43-764E-6497C737EFCA}"/>
+                <a16:creationId xmlns:a16="http://schemas.microsoft.com/office/drawing/2014/main" id="{2615AD72-9B1D-7B54-989C-18866E503BE2}"/>
               </a:ext>
             </a:extLst>
           </p:cNvPr>
@@ -252,7 +252,7 @@
           <a:bodyPr/>
           <a:lstStyle/>
           <a:p>
-            <a:fld id="{56E0DA1E-FC14-4FBF-88C0-6BD133B05842}" type="datetimeFigureOut">
+            <a:fld id="{17E8D49B-7CEC-4267-9509-FDD490A1429A}" type="datetimeFigureOut">
               <a:rPr lang="zh-CN" altLang="en-US" smtClean="0"/>
               <a:t>2024/3/10</a:t>
             </a:fld>
@@ -265,7 +265,7 @@
           <p:cNvPr id="5" name="页脚占位符 4">
             <a:extLst>
               <a:ext uri="{FF2B5EF4-FFF2-40B4-BE49-F238E27FC236}">
-                <a16:creationId xmlns:a16="http://schemas.microsoft.com/office/drawing/2014/main" id="{088EE8C4-CBD5-9D14-DDA1-000E5CC23B72}"/>
+                <a16:creationId xmlns:a16="http://schemas.microsoft.com/office/drawing/2014/main" id="{3E72B51C-034F-2116-72E7-EED4187722F7}"/>
               </a:ext>
             </a:extLst>
           </p:cNvPr>
@@ -290,7 +290,7 @@
           <p:cNvPr id="6" name="灯片编号占位符 5">
             <a:extLst>
               <a:ext uri="{FF2B5EF4-FFF2-40B4-BE49-F238E27FC236}">
-                <a16:creationId xmlns:a16="http://schemas.microsoft.com/office/drawing/2014/main" id="{ACE8B8E5-4727-8D0D-5C6C-55CC50F5601D}"/>
+                <a16:creationId xmlns:a16="http://schemas.microsoft.com/office/drawing/2014/main" id="{EAE16A75-ADD2-E647-0005-DDE1F2E4B02E}"/>
               </a:ext>
             </a:extLst>
           </p:cNvPr>
@@ -306,7 +306,7 @@
           <a:bodyPr/>
           <a:lstStyle/>
           <a:p>
-            <a:fld id="{3C777704-8262-4061-AF0B-14A472B3A74D}" type="slidenum">
+            <a:fld id="{C5BA94BC-53BF-4988-A550-2328F961C95F}" type="slidenum">
               <a:rPr lang="zh-CN" altLang="en-US" smtClean="0"/>
               <a:t>‹#›</a:t>
             </a:fld>
@@ -317,7 +317,7 @@
     </p:spTree>
     <p:extLst>
       <p:ext uri="{BB962C8B-B14F-4D97-AF65-F5344CB8AC3E}">
-        <p14:creationId xmlns:p14="http://schemas.microsoft.com/office/powerpoint/2010/main" val="115458946"/>
+        <p14:creationId xmlns:p14="http://schemas.microsoft.com/office/powerpoint/2010/main" val="2639824943"/>
       </p:ext>
     </p:extLst>
   </p:cSld>
@@ -349,7 +349,7 @@
           <p:cNvPr id="2" name="标题 1">
             <a:extLst>
               <a:ext uri="{FF2B5EF4-FFF2-40B4-BE49-F238E27FC236}">
-                <a16:creationId xmlns:a16="http://schemas.microsoft.com/office/drawing/2014/main" id="{CD46FFB5-3673-E004-589F-9B4B0D7AAF52}"/>
+                <a16:creationId xmlns:a16="http://schemas.microsoft.com/office/drawing/2014/main" id="{9DEE1A15-29F5-C4B4-0744-F45ECC5671F2}"/>
               </a:ext>
             </a:extLst>
           </p:cNvPr>
@@ -377,7 +377,7 @@
           <p:cNvPr id="3" name="竖排文字占位符 2">
             <a:extLst>
               <a:ext uri="{FF2B5EF4-FFF2-40B4-BE49-F238E27FC236}">
-                <a16:creationId xmlns:a16="http://schemas.microsoft.com/office/drawing/2014/main" id="{2AB22D28-0EC1-9401-3CD5-19C50A6D7509}"/>
+                <a16:creationId xmlns:a16="http://schemas.microsoft.com/office/drawing/2014/main" id="{8FC492F2-2388-6F8E-624D-F8A4F1CB1B83}"/>
               </a:ext>
             </a:extLst>
           </p:cNvPr>
@@ -434,7 +434,7 @@
           <p:cNvPr id="4" name="日期占位符 3">
             <a:extLst>
               <a:ext uri="{FF2B5EF4-FFF2-40B4-BE49-F238E27FC236}">
-                <a16:creationId xmlns:a16="http://schemas.microsoft.com/office/drawing/2014/main" id="{92E12225-B4FB-5247-B257-B3E4E998E883}"/>
+                <a16:creationId xmlns:a16="http://schemas.microsoft.com/office/drawing/2014/main" id="{BCBC8F59-1522-3831-E594-08A9628A92EB}"/>
               </a:ext>
             </a:extLst>
           </p:cNvPr>
@@ -450,7 +450,7 @@
           <a:bodyPr/>
           <a:lstStyle/>
           <a:p>
-            <a:fld id="{56E0DA1E-FC14-4FBF-88C0-6BD133B05842}" type="datetimeFigureOut">
+            <a:fld id="{17E8D49B-7CEC-4267-9509-FDD490A1429A}" type="datetimeFigureOut">
               <a:rPr lang="zh-CN" altLang="en-US" smtClean="0"/>
               <a:t>2024/3/10</a:t>
             </a:fld>
@@ -463,7 +463,7 @@
           <p:cNvPr id="5" name="页脚占位符 4">
             <a:extLst>
               <a:ext uri="{FF2B5EF4-FFF2-40B4-BE49-F238E27FC236}">
-                <a16:creationId xmlns:a16="http://schemas.microsoft.com/office/drawing/2014/main" id="{67F76B12-DEAB-234F-344A-E3CA0398E07F}"/>
+                <a16:creationId xmlns:a16="http://schemas.microsoft.com/office/drawing/2014/main" id="{D0B22909-961E-1E63-47CB-AAEA10C94AA1}"/>
               </a:ext>
             </a:extLst>
           </p:cNvPr>
@@ -488,7 +488,7 @@
           <p:cNvPr id="6" name="灯片编号占位符 5">
             <a:extLst>
               <a:ext uri="{FF2B5EF4-FFF2-40B4-BE49-F238E27FC236}">
-                <a16:creationId xmlns:a16="http://schemas.microsoft.com/office/drawing/2014/main" id="{44C3081A-4A25-CE94-9716-32848D982FB4}"/>
+                <a16:creationId xmlns:a16="http://schemas.microsoft.com/office/drawing/2014/main" id="{C1098E95-F55A-38AD-0BA9-7CEDD08492E4}"/>
               </a:ext>
             </a:extLst>
           </p:cNvPr>
@@ -504,7 +504,7 @@
           <a:bodyPr/>
           <a:lstStyle/>
           <a:p>
-            <a:fld id="{3C777704-8262-4061-AF0B-14A472B3A74D}" type="slidenum">
+            <a:fld id="{C5BA94BC-53BF-4988-A550-2328F961C95F}" type="slidenum">
               <a:rPr lang="zh-CN" altLang="en-US" smtClean="0"/>
               <a:t>‹#›</a:t>
             </a:fld>
@@ -515,7 +515,7 @@
     </p:spTree>
     <p:extLst>
       <p:ext uri="{BB962C8B-B14F-4D97-AF65-F5344CB8AC3E}">
-        <p14:creationId xmlns:p14="http://schemas.microsoft.com/office/powerpoint/2010/main" val="1632954002"/>
+        <p14:creationId xmlns:p14="http://schemas.microsoft.com/office/powerpoint/2010/main" val="1275754013"/>
       </p:ext>
     </p:extLst>
   </p:cSld>
@@ -547,7 +547,7 @@
           <p:cNvPr id="2" name="竖排标题 1">
             <a:extLst>
               <a:ext uri="{FF2B5EF4-FFF2-40B4-BE49-F238E27FC236}">
-                <a16:creationId xmlns:a16="http://schemas.microsoft.com/office/drawing/2014/main" id="{05B1D655-C972-745B-2307-7F098B7ADD40}"/>
+                <a16:creationId xmlns:a16="http://schemas.microsoft.com/office/drawing/2014/main" id="{7D2BEE7E-F2D4-C202-00DB-3B81F07B9227}"/>
               </a:ext>
             </a:extLst>
           </p:cNvPr>
@@ -580,7 +580,7 @@
           <p:cNvPr id="3" name="竖排文字占位符 2">
             <a:extLst>
               <a:ext uri="{FF2B5EF4-FFF2-40B4-BE49-F238E27FC236}">
-                <a16:creationId xmlns:a16="http://schemas.microsoft.com/office/drawing/2014/main" id="{DADD0710-8DD8-08D5-D63F-53B0B183C3F2}"/>
+                <a16:creationId xmlns:a16="http://schemas.microsoft.com/office/drawing/2014/main" id="{FFA611FF-5A75-4724-71B9-ED3506F11760}"/>
               </a:ext>
             </a:extLst>
           </p:cNvPr>
@@ -642,7 +642,7 @@
           <p:cNvPr id="4" name="日期占位符 3">
             <a:extLst>
               <a:ext uri="{FF2B5EF4-FFF2-40B4-BE49-F238E27FC236}">
-                <a16:creationId xmlns:a16="http://schemas.microsoft.com/office/drawing/2014/main" id="{5A61F327-E9C3-BCFB-4437-167EDA398F47}"/>
+                <a16:creationId xmlns:a16="http://schemas.microsoft.com/office/drawing/2014/main" id="{8FEF6A85-9665-2A5F-2397-E97A49935200}"/>
               </a:ext>
             </a:extLst>
           </p:cNvPr>
@@ -658,7 +658,7 @@
           <a:bodyPr/>
           <a:lstStyle/>
           <a:p>
-            <a:fld id="{56E0DA1E-FC14-4FBF-88C0-6BD133B05842}" type="datetimeFigureOut">
+            <a:fld id="{17E8D49B-7CEC-4267-9509-FDD490A1429A}" type="datetimeFigureOut">
               <a:rPr lang="zh-CN" altLang="en-US" smtClean="0"/>
               <a:t>2024/3/10</a:t>
             </a:fld>
@@ -671,7 +671,7 @@
           <p:cNvPr id="5" name="页脚占位符 4">
             <a:extLst>
               <a:ext uri="{FF2B5EF4-FFF2-40B4-BE49-F238E27FC236}">
-                <a16:creationId xmlns:a16="http://schemas.microsoft.com/office/drawing/2014/main" id="{BD650CEA-D0C1-E2AB-753A-C5EF826D7F12}"/>
+                <a16:creationId xmlns:a16="http://schemas.microsoft.com/office/drawing/2014/main" id="{562E2589-ED96-C18C-3AE1-528E062B2B44}"/>
               </a:ext>
             </a:extLst>
           </p:cNvPr>
@@ -696,7 +696,7 @@
           <p:cNvPr id="6" name="灯片编号占位符 5">
             <a:extLst>
               <a:ext uri="{FF2B5EF4-FFF2-40B4-BE49-F238E27FC236}">
-                <a16:creationId xmlns:a16="http://schemas.microsoft.com/office/drawing/2014/main" id="{46A9505C-1C82-3286-6A4C-AC987228C0D9}"/>
+                <a16:creationId xmlns:a16="http://schemas.microsoft.com/office/drawing/2014/main" id="{D53C3552-CA26-EA37-235D-FC01B89B851B}"/>
               </a:ext>
             </a:extLst>
           </p:cNvPr>
@@ -712,7 +712,7 @@
           <a:bodyPr/>
           <a:lstStyle/>
           <a:p>
-            <a:fld id="{3C777704-8262-4061-AF0B-14A472B3A74D}" type="slidenum">
+            <a:fld id="{C5BA94BC-53BF-4988-A550-2328F961C95F}" type="slidenum">
               <a:rPr lang="zh-CN" altLang="en-US" smtClean="0"/>
               <a:t>‹#›</a:t>
             </a:fld>
@@ -723,7 +723,7 @@
     </p:spTree>
     <p:extLst>
       <p:ext uri="{BB962C8B-B14F-4D97-AF65-F5344CB8AC3E}">
-        <p14:creationId xmlns:p14="http://schemas.microsoft.com/office/powerpoint/2010/main" val="613050823"/>
+        <p14:creationId xmlns:p14="http://schemas.microsoft.com/office/powerpoint/2010/main" val="1967773119"/>
       </p:ext>
     </p:extLst>
   </p:cSld>
@@ -755,7 +755,7 @@
           <p:cNvPr id="2" name="标题 1">
             <a:extLst>
               <a:ext uri="{FF2B5EF4-FFF2-40B4-BE49-F238E27FC236}">
-                <a16:creationId xmlns:a16="http://schemas.microsoft.com/office/drawing/2014/main" id="{5E7412D0-732E-A48A-1FF1-D1631704DFC5}"/>
+                <a16:creationId xmlns:a16="http://schemas.microsoft.com/office/drawing/2014/main" id="{9D73E136-D0AF-D114-E12E-7A87116876CF}"/>
               </a:ext>
             </a:extLst>
           </p:cNvPr>
@@ -783,7 +783,7 @@
           <p:cNvPr id="3" name="内容占位符 2">
             <a:extLst>
               <a:ext uri="{FF2B5EF4-FFF2-40B4-BE49-F238E27FC236}">
-                <a16:creationId xmlns:a16="http://schemas.microsoft.com/office/drawing/2014/main" id="{5B9E1740-3A0B-6228-66A3-BC31A91EEE44}"/>
+                <a16:creationId xmlns:a16="http://schemas.microsoft.com/office/drawing/2014/main" id="{CB635383-08C7-4818-9CC3-8160F87C5026}"/>
               </a:ext>
             </a:extLst>
           </p:cNvPr>
@@ -840,7 +840,7 @@
           <p:cNvPr id="4" name="日期占位符 3">
             <a:extLst>
               <a:ext uri="{FF2B5EF4-FFF2-40B4-BE49-F238E27FC236}">
-                <a16:creationId xmlns:a16="http://schemas.microsoft.com/office/drawing/2014/main" id="{396C7622-1A01-7402-3312-03799AE222AA}"/>
+                <a16:creationId xmlns:a16="http://schemas.microsoft.com/office/drawing/2014/main" id="{34A83D7F-8C87-8044-BE32-A7510F7550B1}"/>
               </a:ext>
             </a:extLst>
           </p:cNvPr>
@@ -856,7 +856,7 @@
           <a:bodyPr/>
           <a:lstStyle/>
           <a:p>
-            <a:fld id="{56E0DA1E-FC14-4FBF-88C0-6BD133B05842}" type="datetimeFigureOut">
+            <a:fld id="{17E8D49B-7CEC-4267-9509-FDD490A1429A}" type="datetimeFigureOut">
               <a:rPr lang="zh-CN" altLang="en-US" smtClean="0"/>
               <a:t>2024/3/10</a:t>
             </a:fld>
@@ -869,7 +869,7 @@
           <p:cNvPr id="5" name="页脚占位符 4">
             <a:extLst>
               <a:ext uri="{FF2B5EF4-FFF2-40B4-BE49-F238E27FC236}">
-                <a16:creationId xmlns:a16="http://schemas.microsoft.com/office/drawing/2014/main" id="{CB5548E7-0101-9B07-86AC-10268489A513}"/>
+                <a16:creationId xmlns:a16="http://schemas.microsoft.com/office/drawing/2014/main" id="{6149ECE3-F14A-A3EF-565F-417D40CAA336}"/>
               </a:ext>
             </a:extLst>
           </p:cNvPr>
@@ -894,7 +894,7 @@
           <p:cNvPr id="6" name="灯片编号占位符 5">
             <a:extLst>
               <a:ext uri="{FF2B5EF4-FFF2-40B4-BE49-F238E27FC236}">
-                <a16:creationId xmlns:a16="http://schemas.microsoft.com/office/drawing/2014/main" id="{E8FA58B1-4079-9916-94AA-A66BAF36A0A8}"/>
+                <a16:creationId xmlns:a16="http://schemas.microsoft.com/office/drawing/2014/main" id="{DD0C83B2-5BBE-CC10-0227-5220E6962551}"/>
               </a:ext>
             </a:extLst>
           </p:cNvPr>
@@ -910,7 +910,7 @@
           <a:bodyPr/>
           <a:lstStyle/>
           <a:p>
-            <a:fld id="{3C777704-8262-4061-AF0B-14A472B3A74D}" type="slidenum">
+            <a:fld id="{C5BA94BC-53BF-4988-A550-2328F961C95F}" type="slidenum">
               <a:rPr lang="zh-CN" altLang="en-US" smtClean="0"/>
               <a:t>‹#›</a:t>
             </a:fld>
@@ -921,7 +921,7 @@
     </p:spTree>
     <p:extLst>
       <p:ext uri="{BB962C8B-B14F-4D97-AF65-F5344CB8AC3E}">
-        <p14:creationId xmlns:p14="http://schemas.microsoft.com/office/powerpoint/2010/main" val="2406483677"/>
+        <p14:creationId xmlns:p14="http://schemas.microsoft.com/office/powerpoint/2010/main" val="813089672"/>
       </p:ext>
     </p:extLst>
   </p:cSld>
@@ -953,7 +953,7 @@
           <p:cNvPr id="2" name="标题 1">
             <a:extLst>
               <a:ext uri="{FF2B5EF4-FFF2-40B4-BE49-F238E27FC236}">
-                <a16:creationId xmlns:a16="http://schemas.microsoft.com/office/drawing/2014/main" id="{62D1FF25-AE10-D9BB-69F2-67AC8249AF6B}"/>
+                <a16:creationId xmlns:a16="http://schemas.microsoft.com/office/drawing/2014/main" id="{A5157F70-59E7-F4A4-AB87-B3F2713AFF11}"/>
               </a:ext>
             </a:extLst>
           </p:cNvPr>
@@ -990,7 +990,7 @@
           <p:cNvPr id="3" name="文本占位符 2">
             <a:extLst>
               <a:ext uri="{FF2B5EF4-FFF2-40B4-BE49-F238E27FC236}">
-                <a16:creationId xmlns:a16="http://schemas.microsoft.com/office/drawing/2014/main" id="{A11916F7-5279-536F-567A-512B41D1146F}"/>
+                <a16:creationId xmlns:a16="http://schemas.microsoft.com/office/drawing/2014/main" id="{548394B1-9F1A-597C-55F4-F1B879132780}"/>
               </a:ext>
             </a:extLst>
           </p:cNvPr>
@@ -1115,7 +1115,7 @@
           <p:cNvPr id="4" name="日期占位符 3">
             <a:extLst>
               <a:ext uri="{FF2B5EF4-FFF2-40B4-BE49-F238E27FC236}">
-                <a16:creationId xmlns:a16="http://schemas.microsoft.com/office/drawing/2014/main" id="{373C37E5-CADC-DF2A-4B6C-BB58F615B500}"/>
+                <a16:creationId xmlns:a16="http://schemas.microsoft.com/office/drawing/2014/main" id="{BA882B55-00DB-2BD9-17C5-0E54FCD8559B}"/>
               </a:ext>
             </a:extLst>
           </p:cNvPr>
@@ -1131,7 +1131,7 @@
           <a:bodyPr/>
           <a:lstStyle/>
           <a:p>
-            <a:fld id="{56E0DA1E-FC14-4FBF-88C0-6BD133B05842}" type="datetimeFigureOut">
+            <a:fld id="{17E8D49B-7CEC-4267-9509-FDD490A1429A}" type="datetimeFigureOut">
               <a:rPr lang="zh-CN" altLang="en-US" smtClean="0"/>
               <a:t>2024/3/10</a:t>
             </a:fld>
@@ -1144,7 +1144,7 @@
           <p:cNvPr id="5" name="页脚占位符 4">
             <a:extLst>
               <a:ext uri="{FF2B5EF4-FFF2-40B4-BE49-F238E27FC236}">
-                <a16:creationId xmlns:a16="http://schemas.microsoft.com/office/drawing/2014/main" id="{6CD41CD7-5A7F-0CF0-F682-077911076788}"/>
+                <a16:creationId xmlns:a16="http://schemas.microsoft.com/office/drawing/2014/main" id="{86C5F136-DCC3-DA94-8C38-3A2DADD14756}"/>
               </a:ext>
             </a:extLst>
           </p:cNvPr>
@@ -1169,7 +1169,7 @@
           <p:cNvPr id="6" name="灯片编号占位符 5">
             <a:extLst>
               <a:ext uri="{FF2B5EF4-FFF2-40B4-BE49-F238E27FC236}">
-                <a16:creationId xmlns:a16="http://schemas.microsoft.com/office/drawing/2014/main" id="{76329D60-06AF-F995-8C97-F8D3D15FCAF4}"/>
+                <a16:creationId xmlns:a16="http://schemas.microsoft.com/office/drawing/2014/main" id="{15869424-2B54-E332-E1EC-9442B271F261}"/>
               </a:ext>
             </a:extLst>
           </p:cNvPr>
@@ -1185,7 +1185,7 @@
           <a:bodyPr/>
           <a:lstStyle/>
           <a:p>
-            <a:fld id="{3C777704-8262-4061-AF0B-14A472B3A74D}" type="slidenum">
+            <a:fld id="{C5BA94BC-53BF-4988-A550-2328F961C95F}" type="slidenum">
               <a:rPr lang="zh-CN" altLang="en-US" smtClean="0"/>
               <a:t>‹#›</a:t>
             </a:fld>
@@ -1196,7 +1196,7 @@
     </p:spTree>
     <p:extLst>
       <p:ext uri="{BB962C8B-B14F-4D97-AF65-F5344CB8AC3E}">
-        <p14:creationId xmlns:p14="http://schemas.microsoft.com/office/powerpoint/2010/main" val="637844827"/>
+        <p14:creationId xmlns:p14="http://schemas.microsoft.com/office/powerpoint/2010/main" val="721777510"/>
       </p:ext>
     </p:extLst>
   </p:cSld>
@@ -1228,7 +1228,7 @@
           <p:cNvPr id="2" name="标题 1">
             <a:extLst>
               <a:ext uri="{FF2B5EF4-FFF2-40B4-BE49-F238E27FC236}">
-                <a16:creationId xmlns:a16="http://schemas.microsoft.com/office/drawing/2014/main" id="{0D7C05E7-D2BC-20B3-4E91-114F4F931C27}"/>
+                <a16:creationId xmlns:a16="http://schemas.microsoft.com/office/drawing/2014/main" id="{C16EA011-25A6-E9EA-205B-7DD60B1DA4B0}"/>
               </a:ext>
             </a:extLst>
           </p:cNvPr>
@@ -1256,7 +1256,7 @@
           <p:cNvPr id="3" name="内容占位符 2">
             <a:extLst>
               <a:ext uri="{FF2B5EF4-FFF2-40B4-BE49-F238E27FC236}">
-                <a16:creationId xmlns:a16="http://schemas.microsoft.com/office/drawing/2014/main" id="{D11787F5-5729-4930-448B-E7D6887E8563}"/>
+                <a16:creationId xmlns:a16="http://schemas.microsoft.com/office/drawing/2014/main" id="{C3E41951-3C8B-A343-C3CF-184637857B48}"/>
               </a:ext>
             </a:extLst>
           </p:cNvPr>
@@ -1318,7 +1318,7 @@
           <p:cNvPr id="4" name="内容占位符 3">
             <a:extLst>
               <a:ext uri="{FF2B5EF4-FFF2-40B4-BE49-F238E27FC236}">
-                <a16:creationId xmlns:a16="http://schemas.microsoft.com/office/drawing/2014/main" id="{7A98DB0C-8D7C-2A55-0F4E-F5072430B335}"/>
+                <a16:creationId xmlns:a16="http://schemas.microsoft.com/office/drawing/2014/main" id="{DEFB322D-4AA5-F7C9-B94B-218B05B86576}"/>
               </a:ext>
             </a:extLst>
           </p:cNvPr>
@@ -1380,7 +1380,7 @@
           <p:cNvPr id="5" name="日期占位符 4">
             <a:extLst>
               <a:ext uri="{FF2B5EF4-FFF2-40B4-BE49-F238E27FC236}">
-                <a16:creationId xmlns:a16="http://schemas.microsoft.com/office/drawing/2014/main" id="{652D5825-FF8A-B880-4C6E-7C79004CB6DD}"/>
+                <a16:creationId xmlns:a16="http://schemas.microsoft.com/office/drawing/2014/main" id="{4491C3B9-86E1-8574-79B7-43B353958629}"/>
               </a:ext>
             </a:extLst>
           </p:cNvPr>
@@ -1396,7 +1396,7 @@
           <a:bodyPr/>
           <a:lstStyle/>
           <a:p>
-            <a:fld id="{56E0DA1E-FC14-4FBF-88C0-6BD133B05842}" type="datetimeFigureOut">
+            <a:fld id="{17E8D49B-7CEC-4267-9509-FDD490A1429A}" type="datetimeFigureOut">
               <a:rPr lang="zh-CN" altLang="en-US" smtClean="0"/>
               <a:t>2024/3/10</a:t>
             </a:fld>
@@ -1409,7 +1409,7 @@
           <p:cNvPr id="6" name="页脚占位符 5">
             <a:extLst>
               <a:ext uri="{FF2B5EF4-FFF2-40B4-BE49-F238E27FC236}">
-                <a16:creationId xmlns:a16="http://schemas.microsoft.com/office/drawing/2014/main" id="{D6A60D32-1728-77D8-31BD-6F4A895783CC}"/>
+                <a16:creationId xmlns:a16="http://schemas.microsoft.com/office/drawing/2014/main" id="{01A5682D-EE87-5E66-F921-7AAF2937091F}"/>
               </a:ext>
             </a:extLst>
           </p:cNvPr>
@@ -1434,7 +1434,7 @@
           <p:cNvPr id="7" name="灯片编号占位符 6">
             <a:extLst>
               <a:ext uri="{FF2B5EF4-FFF2-40B4-BE49-F238E27FC236}">
-                <a16:creationId xmlns:a16="http://schemas.microsoft.com/office/drawing/2014/main" id="{62E2D7F9-36A8-6660-E785-A6A18DDCB126}"/>
+                <a16:creationId xmlns:a16="http://schemas.microsoft.com/office/drawing/2014/main" id="{91882C56-2465-EA0F-453F-4C8318743065}"/>
               </a:ext>
             </a:extLst>
           </p:cNvPr>
@@ -1450,7 +1450,7 @@
           <a:bodyPr/>
           <a:lstStyle/>
           <a:p>
-            <a:fld id="{3C777704-8262-4061-AF0B-14A472B3A74D}" type="slidenum">
+            <a:fld id="{C5BA94BC-53BF-4988-A550-2328F961C95F}" type="slidenum">
               <a:rPr lang="zh-CN" altLang="en-US" smtClean="0"/>
               <a:t>‹#›</a:t>
             </a:fld>
@@ -1461,7 +1461,7 @@
     </p:spTree>
     <p:extLst>
       <p:ext uri="{BB962C8B-B14F-4D97-AF65-F5344CB8AC3E}">
-        <p14:creationId xmlns:p14="http://schemas.microsoft.com/office/powerpoint/2010/main" val="3939296918"/>
+        <p14:creationId xmlns:p14="http://schemas.microsoft.com/office/powerpoint/2010/main" val="1044404691"/>
       </p:ext>
     </p:extLst>
   </p:cSld>
@@ -1493,7 +1493,7 @@
           <p:cNvPr id="2" name="标题 1">
             <a:extLst>
               <a:ext uri="{FF2B5EF4-FFF2-40B4-BE49-F238E27FC236}">
-                <a16:creationId xmlns:a16="http://schemas.microsoft.com/office/drawing/2014/main" id="{3F7B395F-1D32-EADB-DEA7-6204B3CC5FE7}"/>
+                <a16:creationId xmlns:a16="http://schemas.microsoft.com/office/drawing/2014/main" id="{1A942415-C6F6-BAC9-967E-29F0A2F545CB}"/>
               </a:ext>
             </a:extLst>
           </p:cNvPr>
@@ -1526,7 +1526,7 @@
           <p:cNvPr id="3" name="文本占位符 2">
             <a:extLst>
               <a:ext uri="{FF2B5EF4-FFF2-40B4-BE49-F238E27FC236}">
-                <a16:creationId xmlns:a16="http://schemas.microsoft.com/office/drawing/2014/main" id="{5A0BA1D2-7883-589F-DDDA-5075FA8BE2D3}"/>
+                <a16:creationId xmlns:a16="http://schemas.microsoft.com/office/drawing/2014/main" id="{550B9576-397F-C8E9-2AA1-45CAC04A7C80}"/>
               </a:ext>
             </a:extLst>
           </p:cNvPr>
@@ -1597,7 +1597,7 @@
           <p:cNvPr id="4" name="内容占位符 3">
             <a:extLst>
               <a:ext uri="{FF2B5EF4-FFF2-40B4-BE49-F238E27FC236}">
-                <a16:creationId xmlns:a16="http://schemas.microsoft.com/office/drawing/2014/main" id="{541322D5-2778-5439-C185-AAB7C3EAF08E}"/>
+                <a16:creationId xmlns:a16="http://schemas.microsoft.com/office/drawing/2014/main" id="{FCA3EBEE-D6CF-211D-374A-A79BF07EB686}"/>
               </a:ext>
             </a:extLst>
           </p:cNvPr>
@@ -1659,7 +1659,7 @@
           <p:cNvPr id="5" name="文本占位符 4">
             <a:extLst>
               <a:ext uri="{FF2B5EF4-FFF2-40B4-BE49-F238E27FC236}">
-                <a16:creationId xmlns:a16="http://schemas.microsoft.com/office/drawing/2014/main" id="{8DBD893C-59F0-389B-4DE7-3D09F6EC061A}"/>
+                <a16:creationId xmlns:a16="http://schemas.microsoft.com/office/drawing/2014/main" id="{01F4FDDC-DB4A-501B-59E3-2D3253DAE133}"/>
               </a:ext>
             </a:extLst>
           </p:cNvPr>
@@ -1730,7 +1730,7 @@
           <p:cNvPr id="6" name="内容占位符 5">
             <a:extLst>
               <a:ext uri="{FF2B5EF4-FFF2-40B4-BE49-F238E27FC236}">
-                <a16:creationId xmlns:a16="http://schemas.microsoft.com/office/drawing/2014/main" id="{29544149-480E-851B-2CCC-9C5506BD3003}"/>
+                <a16:creationId xmlns:a16="http://schemas.microsoft.com/office/drawing/2014/main" id="{49054398-35E6-0E09-5712-C40920C602F0}"/>
               </a:ext>
             </a:extLst>
           </p:cNvPr>
@@ -1792,7 +1792,7 @@
           <p:cNvPr id="7" name="日期占位符 6">
             <a:extLst>
               <a:ext uri="{FF2B5EF4-FFF2-40B4-BE49-F238E27FC236}">
-                <a16:creationId xmlns:a16="http://schemas.microsoft.com/office/drawing/2014/main" id="{93DC2E79-0D0A-E2EA-60D0-F0F7C3F8864A}"/>
+                <a16:creationId xmlns:a16="http://schemas.microsoft.com/office/drawing/2014/main" id="{0E35CED3-BB40-E75D-40D6-1E4D0AB8C4A6}"/>
               </a:ext>
             </a:extLst>
           </p:cNvPr>
@@ -1808,7 +1808,7 @@
           <a:bodyPr/>
           <a:lstStyle/>
           <a:p>
-            <a:fld id="{56E0DA1E-FC14-4FBF-88C0-6BD133B05842}" type="datetimeFigureOut">
+            <a:fld id="{17E8D49B-7CEC-4267-9509-FDD490A1429A}" type="datetimeFigureOut">
               <a:rPr lang="zh-CN" altLang="en-US" smtClean="0"/>
               <a:t>2024/3/10</a:t>
             </a:fld>
@@ -1821,7 +1821,7 @@
           <p:cNvPr id="8" name="页脚占位符 7">
             <a:extLst>
               <a:ext uri="{FF2B5EF4-FFF2-40B4-BE49-F238E27FC236}">
-                <a16:creationId xmlns:a16="http://schemas.microsoft.com/office/drawing/2014/main" id="{CAF348C9-EE3B-0BC5-4724-FC977CE3F8D9}"/>
+                <a16:creationId xmlns:a16="http://schemas.microsoft.com/office/drawing/2014/main" id="{D1D38FB7-DCFE-13DA-DBFD-439FEEE330C4}"/>
               </a:ext>
             </a:extLst>
           </p:cNvPr>
@@ -1846,7 +1846,7 @@
           <p:cNvPr id="9" name="灯片编号占位符 8">
             <a:extLst>
               <a:ext uri="{FF2B5EF4-FFF2-40B4-BE49-F238E27FC236}">
-                <a16:creationId xmlns:a16="http://schemas.microsoft.com/office/drawing/2014/main" id="{983ACC8A-A2A4-642C-291D-92BE8F273766}"/>
+                <a16:creationId xmlns:a16="http://schemas.microsoft.com/office/drawing/2014/main" id="{16C87BE1-E1E8-4787-361F-6AD7EF883563}"/>
               </a:ext>
             </a:extLst>
           </p:cNvPr>
@@ -1862,7 +1862,7 @@
           <a:bodyPr/>
           <a:lstStyle/>
           <a:p>
-            <a:fld id="{3C777704-8262-4061-AF0B-14A472B3A74D}" type="slidenum">
+            <a:fld id="{C5BA94BC-53BF-4988-A550-2328F961C95F}" type="slidenum">
               <a:rPr lang="zh-CN" altLang="en-US" smtClean="0"/>
               <a:t>‹#›</a:t>
             </a:fld>
@@ -1873,7 +1873,7 @@
     </p:spTree>
     <p:extLst>
       <p:ext uri="{BB962C8B-B14F-4D97-AF65-F5344CB8AC3E}">
-        <p14:creationId xmlns:p14="http://schemas.microsoft.com/office/powerpoint/2010/main" val="2981724584"/>
+        <p14:creationId xmlns:p14="http://schemas.microsoft.com/office/powerpoint/2010/main" val="3457014580"/>
       </p:ext>
     </p:extLst>
   </p:cSld>
@@ -1905,7 +1905,7 @@
           <p:cNvPr id="2" name="标题 1">
             <a:extLst>
               <a:ext uri="{FF2B5EF4-FFF2-40B4-BE49-F238E27FC236}">
-                <a16:creationId xmlns:a16="http://schemas.microsoft.com/office/drawing/2014/main" id="{517AF169-29B3-E5C9-79C8-AAAC0CF852C5}"/>
+                <a16:creationId xmlns:a16="http://schemas.microsoft.com/office/drawing/2014/main" id="{656AB061-558D-B62C-BCD6-C0D51CEDCFA0}"/>
               </a:ext>
             </a:extLst>
           </p:cNvPr>
@@ -1933,7 +1933,7 @@
           <p:cNvPr id="3" name="日期占位符 2">
             <a:extLst>
               <a:ext uri="{FF2B5EF4-FFF2-40B4-BE49-F238E27FC236}">
-                <a16:creationId xmlns:a16="http://schemas.microsoft.com/office/drawing/2014/main" id="{F3576A64-6BCC-47B6-42DE-AC3D5B48F191}"/>
+                <a16:creationId xmlns:a16="http://schemas.microsoft.com/office/drawing/2014/main" id="{F72D0C34-5A92-B0F8-4336-CFF7C37EAC37}"/>
               </a:ext>
             </a:extLst>
           </p:cNvPr>
@@ -1949,7 +1949,7 @@
           <a:bodyPr/>
           <a:lstStyle/>
           <a:p>
-            <a:fld id="{56E0DA1E-FC14-4FBF-88C0-6BD133B05842}" type="datetimeFigureOut">
+            <a:fld id="{17E8D49B-7CEC-4267-9509-FDD490A1429A}" type="datetimeFigureOut">
               <a:rPr lang="zh-CN" altLang="en-US" smtClean="0"/>
               <a:t>2024/3/10</a:t>
             </a:fld>
@@ -1962,7 +1962,7 @@
           <p:cNvPr id="4" name="页脚占位符 3">
             <a:extLst>
               <a:ext uri="{FF2B5EF4-FFF2-40B4-BE49-F238E27FC236}">
-                <a16:creationId xmlns:a16="http://schemas.microsoft.com/office/drawing/2014/main" id="{7132AAEF-1018-802E-254F-D5AC7141C600}"/>
+                <a16:creationId xmlns:a16="http://schemas.microsoft.com/office/drawing/2014/main" id="{D36FD11E-132A-17DB-DA36-C42F8DDB885D}"/>
               </a:ext>
             </a:extLst>
           </p:cNvPr>
@@ -1987,7 +1987,7 @@
           <p:cNvPr id="5" name="灯片编号占位符 4">
             <a:extLst>
               <a:ext uri="{FF2B5EF4-FFF2-40B4-BE49-F238E27FC236}">
-                <a16:creationId xmlns:a16="http://schemas.microsoft.com/office/drawing/2014/main" id="{9B0BB25B-A688-9CB5-3A4A-E60436FF7022}"/>
+                <a16:creationId xmlns:a16="http://schemas.microsoft.com/office/drawing/2014/main" id="{4CDC49FE-1924-549F-80D3-76A6144E0583}"/>
               </a:ext>
             </a:extLst>
           </p:cNvPr>
@@ -2003,7 +2003,7 @@
           <a:bodyPr/>
           <a:lstStyle/>
           <a:p>
-            <a:fld id="{3C777704-8262-4061-AF0B-14A472B3A74D}" type="slidenum">
+            <a:fld id="{C5BA94BC-53BF-4988-A550-2328F961C95F}" type="slidenum">
               <a:rPr lang="zh-CN" altLang="en-US" smtClean="0"/>
               <a:t>‹#›</a:t>
             </a:fld>
@@ -2014,7 +2014,7 @@
     </p:spTree>
     <p:extLst>
       <p:ext uri="{BB962C8B-B14F-4D97-AF65-F5344CB8AC3E}">
-        <p14:creationId xmlns:p14="http://schemas.microsoft.com/office/powerpoint/2010/main" val="693674124"/>
+        <p14:creationId xmlns:p14="http://schemas.microsoft.com/office/powerpoint/2010/main" val="1013988981"/>
       </p:ext>
     </p:extLst>
   </p:cSld>
@@ -2046,7 +2046,7 @@
           <p:cNvPr id="2" name="日期占位符 1">
             <a:extLst>
               <a:ext uri="{FF2B5EF4-FFF2-40B4-BE49-F238E27FC236}">
-                <a16:creationId xmlns:a16="http://schemas.microsoft.com/office/drawing/2014/main" id="{BC467F47-343D-10E8-7F78-3C0FC6AA2DBE}"/>
+                <a16:creationId xmlns:a16="http://schemas.microsoft.com/office/drawing/2014/main" id="{C0C735B8-A323-91A5-4E50-6950A500D688}"/>
               </a:ext>
             </a:extLst>
           </p:cNvPr>
@@ -2062,7 +2062,7 @@
           <a:bodyPr/>
           <a:lstStyle/>
           <a:p>
-            <a:fld id="{56E0DA1E-FC14-4FBF-88C0-6BD133B05842}" type="datetimeFigureOut">
+            <a:fld id="{17E8D49B-7CEC-4267-9509-FDD490A1429A}" type="datetimeFigureOut">
               <a:rPr lang="zh-CN" altLang="en-US" smtClean="0"/>
               <a:t>2024/3/10</a:t>
             </a:fld>
@@ -2075,7 +2075,7 @@
           <p:cNvPr id="3" name="页脚占位符 2">
             <a:extLst>
               <a:ext uri="{FF2B5EF4-FFF2-40B4-BE49-F238E27FC236}">
-                <a16:creationId xmlns:a16="http://schemas.microsoft.com/office/drawing/2014/main" id="{5F0D37B2-88A5-2FF5-086F-B1FDCAC799E2}"/>
+                <a16:creationId xmlns:a16="http://schemas.microsoft.com/office/drawing/2014/main" id="{E66BAE75-FB5E-7F85-8C97-3476D0D85523}"/>
               </a:ext>
             </a:extLst>
           </p:cNvPr>
@@ -2100,7 +2100,7 @@
           <p:cNvPr id="4" name="灯片编号占位符 3">
             <a:extLst>
               <a:ext uri="{FF2B5EF4-FFF2-40B4-BE49-F238E27FC236}">
-                <a16:creationId xmlns:a16="http://schemas.microsoft.com/office/drawing/2014/main" id="{43F967E9-AEA7-74B7-57C5-CC987DB3696F}"/>
+                <a16:creationId xmlns:a16="http://schemas.microsoft.com/office/drawing/2014/main" id="{7482C2BD-013D-2015-3534-24922836E341}"/>
               </a:ext>
             </a:extLst>
           </p:cNvPr>
@@ -2116,7 +2116,7 @@
           <a:bodyPr/>
           <a:lstStyle/>
           <a:p>
-            <a:fld id="{3C777704-8262-4061-AF0B-14A472B3A74D}" type="slidenum">
+            <a:fld id="{C5BA94BC-53BF-4988-A550-2328F961C95F}" type="slidenum">
               <a:rPr lang="zh-CN" altLang="en-US" smtClean="0"/>
               <a:t>‹#›</a:t>
             </a:fld>
@@ -2127,7 +2127,7 @@
     </p:spTree>
     <p:extLst>
       <p:ext uri="{BB962C8B-B14F-4D97-AF65-F5344CB8AC3E}">
-        <p14:creationId xmlns:p14="http://schemas.microsoft.com/office/powerpoint/2010/main" val="303197709"/>
+        <p14:creationId xmlns:p14="http://schemas.microsoft.com/office/powerpoint/2010/main" val="4157170218"/>
       </p:ext>
     </p:extLst>
   </p:cSld>
@@ -2159,7 +2159,7 @@
           <p:cNvPr id="2" name="标题 1">
             <a:extLst>
               <a:ext uri="{FF2B5EF4-FFF2-40B4-BE49-F238E27FC236}">
-                <a16:creationId xmlns:a16="http://schemas.microsoft.com/office/drawing/2014/main" id="{64B6DDA6-B849-9872-D7E0-235F9B14C8B0}"/>
+                <a16:creationId xmlns:a16="http://schemas.microsoft.com/office/drawing/2014/main" id="{52FC9DC1-E362-8439-D17D-00FFD583C2D2}"/>
               </a:ext>
             </a:extLst>
           </p:cNvPr>
@@ -2196,7 +2196,7 @@
           <p:cNvPr id="3" name="内容占位符 2">
             <a:extLst>
               <a:ext uri="{FF2B5EF4-FFF2-40B4-BE49-F238E27FC236}">
-                <a16:creationId xmlns:a16="http://schemas.microsoft.com/office/drawing/2014/main" id="{B7F60E8A-023A-684C-7515-6D43602D362C}"/>
+                <a16:creationId xmlns:a16="http://schemas.microsoft.com/office/drawing/2014/main" id="{EFDB3524-2023-3A1C-90C9-0D5D618E6BAD}"/>
               </a:ext>
             </a:extLst>
           </p:cNvPr>
@@ -2286,7 +2286,7 @@
           <p:cNvPr id="4" name="文本占位符 3">
             <a:extLst>
               <a:ext uri="{FF2B5EF4-FFF2-40B4-BE49-F238E27FC236}">
-                <a16:creationId xmlns:a16="http://schemas.microsoft.com/office/drawing/2014/main" id="{2F47D036-A822-C039-BE56-EC4288351B2C}"/>
+                <a16:creationId xmlns:a16="http://schemas.microsoft.com/office/drawing/2014/main" id="{6DBB28CC-E04F-B3EE-D43F-195C311139FA}"/>
               </a:ext>
             </a:extLst>
           </p:cNvPr>
@@ -2357,7 +2357,7 @@
           <p:cNvPr id="5" name="日期占位符 4">
             <a:extLst>
               <a:ext uri="{FF2B5EF4-FFF2-40B4-BE49-F238E27FC236}">
-                <a16:creationId xmlns:a16="http://schemas.microsoft.com/office/drawing/2014/main" id="{B11E2DBA-A541-175C-ED79-6885AB8F15C9}"/>
+                <a16:creationId xmlns:a16="http://schemas.microsoft.com/office/drawing/2014/main" id="{5D07A7F1-AE20-59B4-69F3-6147EC95C3F2}"/>
               </a:ext>
             </a:extLst>
           </p:cNvPr>
@@ -2373,7 +2373,7 @@
           <a:bodyPr/>
           <a:lstStyle/>
           <a:p>
-            <a:fld id="{56E0DA1E-FC14-4FBF-88C0-6BD133B05842}" type="datetimeFigureOut">
+            <a:fld id="{17E8D49B-7CEC-4267-9509-FDD490A1429A}" type="datetimeFigureOut">
               <a:rPr lang="zh-CN" altLang="en-US" smtClean="0"/>
               <a:t>2024/3/10</a:t>
             </a:fld>
@@ -2386,7 +2386,7 @@
           <p:cNvPr id="6" name="页脚占位符 5">
             <a:extLst>
               <a:ext uri="{FF2B5EF4-FFF2-40B4-BE49-F238E27FC236}">
-                <a16:creationId xmlns:a16="http://schemas.microsoft.com/office/drawing/2014/main" id="{6AA8D3CF-7A4B-D8DD-1E2B-37948DD5834E}"/>
+                <a16:creationId xmlns:a16="http://schemas.microsoft.com/office/drawing/2014/main" id="{FD9C39C5-BC22-4F84-5316-7B3685907D90}"/>
               </a:ext>
             </a:extLst>
           </p:cNvPr>
@@ -2411,7 +2411,7 @@
           <p:cNvPr id="7" name="灯片编号占位符 6">
             <a:extLst>
               <a:ext uri="{FF2B5EF4-FFF2-40B4-BE49-F238E27FC236}">
-                <a16:creationId xmlns:a16="http://schemas.microsoft.com/office/drawing/2014/main" id="{13D0CEF3-9E4E-E14A-7A60-B857D7AC228C}"/>
+                <a16:creationId xmlns:a16="http://schemas.microsoft.com/office/drawing/2014/main" id="{51DBCD11-BF31-DBA6-D290-9F3BC8F9C817}"/>
               </a:ext>
             </a:extLst>
           </p:cNvPr>
@@ -2427,7 +2427,7 @@
           <a:bodyPr/>
           <a:lstStyle/>
           <a:p>
-            <a:fld id="{3C777704-8262-4061-AF0B-14A472B3A74D}" type="slidenum">
+            <a:fld id="{C5BA94BC-53BF-4988-A550-2328F961C95F}" type="slidenum">
               <a:rPr lang="zh-CN" altLang="en-US" smtClean="0"/>
               <a:t>‹#›</a:t>
             </a:fld>
@@ -2438,7 +2438,7 @@
     </p:spTree>
     <p:extLst>
       <p:ext uri="{BB962C8B-B14F-4D97-AF65-F5344CB8AC3E}">
-        <p14:creationId xmlns:p14="http://schemas.microsoft.com/office/powerpoint/2010/main" val="3666645204"/>
+        <p14:creationId xmlns:p14="http://schemas.microsoft.com/office/powerpoint/2010/main" val="3564329125"/>
       </p:ext>
     </p:extLst>
   </p:cSld>
@@ -2470,7 +2470,7 @@
           <p:cNvPr id="2" name="标题 1">
             <a:extLst>
               <a:ext uri="{FF2B5EF4-FFF2-40B4-BE49-F238E27FC236}">
-                <a16:creationId xmlns:a16="http://schemas.microsoft.com/office/drawing/2014/main" id="{51F7BB61-E419-6761-2295-74B8CBC79D56}"/>
+                <a16:creationId xmlns:a16="http://schemas.microsoft.com/office/drawing/2014/main" id="{B9789FB7-DAEB-8195-6164-714D192DEF87}"/>
               </a:ext>
             </a:extLst>
           </p:cNvPr>
@@ -2507,7 +2507,7 @@
           <p:cNvPr id="3" name="图片占位符 2">
             <a:extLst>
               <a:ext uri="{FF2B5EF4-FFF2-40B4-BE49-F238E27FC236}">
-                <a16:creationId xmlns:a16="http://schemas.microsoft.com/office/drawing/2014/main" id="{E9AB19FA-1A63-F82F-191A-AB6368E61D6C}"/>
+                <a16:creationId xmlns:a16="http://schemas.microsoft.com/office/drawing/2014/main" id="{8AFCDA03-DDA4-2765-EA38-299F7472D743}"/>
               </a:ext>
             </a:extLst>
           </p:cNvPr>
@@ -2574,7 +2574,7 @@
           <p:cNvPr id="4" name="文本占位符 3">
             <a:extLst>
               <a:ext uri="{FF2B5EF4-FFF2-40B4-BE49-F238E27FC236}">
-                <a16:creationId xmlns:a16="http://schemas.microsoft.com/office/drawing/2014/main" id="{7C29AC3C-1FBF-96A0-C08B-4A2D667E7672}"/>
+                <a16:creationId xmlns:a16="http://schemas.microsoft.com/office/drawing/2014/main" id="{96D778B2-63D7-0889-E7B7-67019856DA24}"/>
               </a:ext>
             </a:extLst>
           </p:cNvPr>
@@ -2645,7 +2645,7 @@
           <p:cNvPr id="5" name="日期占位符 4">
             <a:extLst>
               <a:ext uri="{FF2B5EF4-FFF2-40B4-BE49-F238E27FC236}">
-                <a16:creationId xmlns:a16="http://schemas.microsoft.com/office/drawing/2014/main" id="{F0571726-ABF7-E357-9617-05965ABB4B2D}"/>
+                <a16:creationId xmlns:a16="http://schemas.microsoft.com/office/drawing/2014/main" id="{A4C4319A-7952-AF73-291C-09D3C28F3046}"/>
               </a:ext>
             </a:extLst>
           </p:cNvPr>
@@ -2661,7 +2661,7 @@
           <a:bodyPr/>
           <a:lstStyle/>
           <a:p>
-            <a:fld id="{56E0DA1E-FC14-4FBF-88C0-6BD133B05842}" type="datetimeFigureOut">
+            <a:fld id="{17E8D49B-7CEC-4267-9509-FDD490A1429A}" type="datetimeFigureOut">
               <a:rPr lang="zh-CN" altLang="en-US" smtClean="0"/>
               <a:t>2024/3/10</a:t>
             </a:fld>
@@ -2674,7 +2674,7 @@
           <p:cNvPr id="6" name="页脚占位符 5">
             <a:extLst>
               <a:ext uri="{FF2B5EF4-FFF2-40B4-BE49-F238E27FC236}">
-                <a16:creationId xmlns:a16="http://schemas.microsoft.com/office/drawing/2014/main" id="{841FB27B-F6A0-2FBD-05E5-B3D4118AAE09}"/>
+                <a16:creationId xmlns:a16="http://schemas.microsoft.com/office/drawing/2014/main" id="{E932B3C6-0DF5-77D8-77C3-03468BF59AC4}"/>
               </a:ext>
             </a:extLst>
           </p:cNvPr>
@@ -2699,7 +2699,7 @@
           <p:cNvPr id="7" name="灯片编号占位符 6">
             <a:extLst>
               <a:ext uri="{FF2B5EF4-FFF2-40B4-BE49-F238E27FC236}">
-                <a16:creationId xmlns:a16="http://schemas.microsoft.com/office/drawing/2014/main" id="{B9D0F0D0-BE24-56A5-9E4B-378B1F3319E4}"/>
+                <a16:creationId xmlns:a16="http://schemas.microsoft.com/office/drawing/2014/main" id="{F55AB6C3-5178-8C10-C7B8-190223F03060}"/>
               </a:ext>
             </a:extLst>
           </p:cNvPr>
@@ -2715,7 +2715,7 @@
           <a:bodyPr/>
           <a:lstStyle/>
           <a:p>
-            <a:fld id="{3C777704-8262-4061-AF0B-14A472B3A74D}" type="slidenum">
+            <a:fld id="{C5BA94BC-53BF-4988-A550-2328F961C95F}" type="slidenum">
               <a:rPr lang="zh-CN" altLang="en-US" smtClean="0"/>
               <a:t>‹#›</a:t>
             </a:fld>
@@ -2726,7 +2726,7 @@
     </p:spTree>
     <p:extLst>
       <p:ext uri="{BB962C8B-B14F-4D97-AF65-F5344CB8AC3E}">
-        <p14:creationId xmlns:p14="http://schemas.microsoft.com/office/powerpoint/2010/main" val="1816387447"/>
+        <p14:creationId xmlns:p14="http://schemas.microsoft.com/office/powerpoint/2010/main" val="1682857540"/>
       </p:ext>
     </p:extLst>
   </p:cSld>
@@ -2763,7 +2763,7 @@
           <p:cNvPr id="2" name="标题占位符 1">
             <a:extLst>
               <a:ext uri="{FF2B5EF4-FFF2-40B4-BE49-F238E27FC236}">
-                <a16:creationId xmlns:a16="http://schemas.microsoft.com/office/drawing/2014/main" id="{425BDE6B-4B4C-40A3-0865-72711E844B0F}"/>
+                <a16:creationId xmlns:a16="http://schemas.microsoft.com/office/drawing/2014/main" id="{B9649EB3-E1E1-ED6E-A4EE-72F897E9FE9A}"/>
               </a:ext>
             </a:extLst>
           </p:cNvPr>
@@ -2801,7 +2801,7 @@
           <p:cNvPr id="3" name="文本占位符 2">
             <a:extLst>
               <a:ext uri="{FF2B5EF4-FFF2-40B4-BE49-F238E27FC236}">
-                <a16:creationId xmlns:a16="http://schemas.microsoft.com/office/drawing/2014/main" id="{C8E3A863-67A4-DB00-2FB7-87CACDBAD974}"/>
+                <a16:creationId xmlns:a16="http://schemas.microsoft.com/office/drawing/2014/main" id="{F582B9E9-3CD7-E7FE-9010-FBD24DF779F3}"/>
               </a:ext>
             </a:extLst>
           </p:cNvPr>
@@ -2868,7 +2868,7 @@
           <p:cNvPr id="4" name="日期占位符 3">
             <a:extLst>
               <a:ext uri="{FF2B5EF4-FFF2-40B4-BE49-F238E27FC236}">
-                <a16:creationId xmlns:a16="http://schemas.microsoft.com/office/drawing/2014/main" id="{4AF9FB3F-7AA3-16D7-F6C2-233B59F6782F}"/>
+                <a16:creationId xmlns:a16="http://schemas.microsoft.com/office/drawing/2014/main" id="{F5F66E5F-218A-5ACD-9D72-913D69F80967}"/>
               </a:ext>
             </a:extLst>
           </p:cNvPr>
@@ -2902,7 +2902,7 @@
             </a:lvl1pPr>
           </a:lstStyle>
           <a:p>
-            <a:fld id="{56E0DA1E-FC14-4FBF-88C0-6BD133B05842}" type="datetimeFigureOut">
+            <a:fld id="{17E8D49B-7CEC-4267-9509-FDD490A1429A}" type="datetimeFigureOut">
               <a:rPr lang="zh-CN" altLang="en-US" smtClean="0"/>
               <a:t>2024/3/10</a:t>
             </a:fld>
@@ -2915,7 +2915,7 @@
           <p:cNvPr id="5" name="页脚占位符 4">
             <a:extLst>
               <a:ext uri="{FF2B5EF4-FFF2-40B4-BE49-F238E27FC236}">
-                <a16:creationId xmlns:a16="http://schemas.microsoft.com/office/drawing/2014/main" id="{01705D20-8710-0557-6C3C-4A129267547D}"/>
+                <a16:creationId xmlns:a16="http://schemas.microsoft.com/office/drawing/2014/main" id="{28659C6C-0E9A-70C6-E839-1E05CF1658F8}"/>
               </a:ext>
             </a:extLst>
           </p:cNvPr>
@@ -2958,7 +2958,7 @@
           <p:cNvPr id="6" name="灯片编号占位符 5">
             <a:extLst>
               <a:ext uri="{FF2B5EF4-FFF2-40B4-BE49-F238E27FC236}">
-                <a16:creationId xmlns:a16="http://schemas.microsoft.com/office/drawing/2014/main" id="{27453F63-8D02-5B21-2A36-6789FDB0C1AD}"/>
+                <a16:creationId xmlns:a16="http://schemas.microsoft.com/office/drawing/2014/main" id="{8EB41C50-DFD9-2B3B-B1E1-DDEBA2255112}"/>
               </a:ext>
             </a:extLst>
           </p:cNvPr>
@@ -2992,7 +2992,7 @@
             </a:lvl1pPr>
           </a:lstStyle>
           <a:p>
-            <a:fld id="{3C777704-8262-4061-AF0B-14A472B3A74D}" type="slidenum">
+            <a:fld id="{C5BA94BC-53BF-4988-A550-2328F961C95F}" type="slidenum">
               <a:rPr lang="zh-CN" altLang="en-US" smtClean="0"/>
               <a:t>‹#›</a:t>
             </a:fld>
@@ -3003,7 +3003,7 @@
     </p:spTree>
     <p:extLst>
       <p:ext uri="{BB962C8B-B14F-4D97-AF65-F5344CB8AC3E}">
-        <p14:creationId xmlns:p14="http://schemas.microsoft.com/office/powerpoint/2010/main" val="2992303288"/>
+        <p14:creationId xmlns:p14="http://schemas.microsoft.com/office/powerpoint/2010/main" val="1868294399"/>
       </p:ext>
     </p:extLst>
   </p:cSld>
@@ -3323,7 +3323,7 @@
       </p:grpSpPr>
       <p:pic>
         <p:nvPicPr>
-          <p:cNvPr id="274434" name="Picture 2" descr="267"/>
+          <p:cNvPr id="275458" name="Picture 2" descr="268"/>
           <p:cNvPicPr>
             <a:picLocks noChangeAspect="1" noChangeArrowheads="1"/>
           </p:cNvPicPr>
@@ -3375,158 +3375,11 @@
           </a:extLst>
         </p:spPr>
       </p:pic>
-      <p:pic>
-        <p:nvPicPr>
-          <p:cNvPr id="275459" name="Picture 3" descr="267-2"/>
-          <p:cNvPicPr>
-            <a:picLocks noChangeAspect="1" noChangeArrowheads="1"/>
-          </p:cNvPicPr>
-          <p:nvPr/>
-        </p:nvPicPr>
-        <p:blipFill>
-          <a:blip r:embed="rId3">
-            <a:extLst>
-              <a:ext uri="{28A0092B-C50C-407E-A947-70E740481C1C}">
-                <a14:useLocalDpi xmlns:a14="http://schemas.microsoft.com/office/drawing/2010/main" val="0"/>
-              </a:ext>
-            </a:extLst>
-          </a:blip>
-          <a:srcRect/>
-          <a:stretch>
-            <a:fillRect/>
-          </a:stretch>
-        </p:blipFill>
-        <p:spPr bwMode="auto">
-          <a:xfrm>
-            <a:off x="1524000" y="44450"/>
-            <a:ext cx="9144000" cy="6858000"/>
-          </a:xfrm>
-          <a:prstGeom prst="rect">
-            <a:avLst/>
-          </a:prstGeom>
-          <a:noFill/>
-          <a:ln>
-            <a:noFill/>
-          </a:ln>
-          <a:effectLst/>
-          <a:extLst>
-            <a:ext uri="{909E8E84-426E-40DD-AFC4-6F175D3DCCD1}">
-              <a14:hiddenFill xmlns:a14="http://schemas.microsoft.com/office/drawing/2010/main">
-                <a:solidFill>
-                  <a:srgbClr val="FFFFFF"/>
-                </a:solidFill>
-              </a14:hiddenFill>
-            </a:ext>
-            <a:ext uri="{91240B29-F687-4F45-9708-019B960494DF}">
-              <a14:hiddenLine xmlns:a14="http://schemas.microsoft.com/office/drawing/2010/main" w="9525">
-                <a:solidFill>
-                  <a:srgbClr val="000000"/>
-                </a:solidFill>
-                <a:miter lim="800000"/>
-                <a:headEnd/>
-                <a:tailEnd/>
-              </a14:hiddenLine>
-            </a:ext>
-            <a:ext uri="{AF507438-7753-43E0-B8FC-AC1667EBCBE1}">
-              <a14:hiddenEffects xmlns:a14="http://schemas.microsoft.com/office/drawing/2010/main">
-                <a:effectLst>
-                  <a:outerShdw dist="35921" dir="2700000" algn="ctr" rotWithShape="0">
-                    <a:srgbClr val="808080"/>
-                  </a:outerShdw>
-                </a:effectLst>
-              </a14:hiddenEffects>
-            </a:ext>
-          </a:extLst>
-        </p:spPr>
-      </p:pic>
     </p:spTree>
   </p:cSld>
   <p:clrMapOvr>
     <a:masterClrMapping/>
   </p:clrMapOvr>
-  <p:timing>
-    <p:tnLst>
-      <p:par>
-        <p:cTn id="1" dur="indefinite" restart="never" nodeType="tmRoot">
-          <p:childTnLst>
-            <p:seq concurrent="1" nextAc="seek">
-              <p:cTn id="2" dur="indefinite" nodeType="mainSeq">
-                <p:childTnLst>
-                  <p:par>
-                    <p:cTn id="3" fill="hold" nodeType="clickPar">
-                      <p:stCondLst>
-                        <p:cond delay="indefinite"/>
-                      </p:stCondLst>
-                      <p:childTnLst>
-                        <p:par>
-                          <p:cTn id="4" fill="hold" nodeType="withGroup">
-                            <p:stCondLst>
-                              <p:cond delay="0"/>
-                            </p:stCondLst>
-                            <p:childTnLst>
-                              <p:par>
-                                <p:cTn id="5" presetID="10" presetClass="entr" presetSubtype="0" fill="hold" nodeType="clickEffect">
-                                  <p:stCondLst>
-                                    <p:cond delay="0"/>
-                                  </p:stCondLst>
-                                  <p:childTnLst>
-                                    <p:set>
-                                      <p:cBhvr>
-                                        <p:cTn id="6" dur="1" fill="hold">
-                                          <p:stCondLst>
-                                            <p:cond delay="0"/>
-                                          </p:stCondLst>
-                                        </p:cTn>
-                                        <p:tgtEl>
-                                          <p:spTgt spid="275459"/>
-                                        </p:tgtEl>
-                                        <p:attrNameLst>
-                                          <p:attrName>style.visibility</p:attrName>
-                                        </p:attrNameLst>
-                                      </p:cBhvr>
-                                      <p:to>
-                                        <p:strVal val="visible"/>
-                                      </p:to>
-                                    </p:set>
-                                    <p:animEffect transition="in" filter="fade">
-                                      <p:cBhvr>
-                                        <p:cTn id="7" dur="500"/>
-                                        <p:tgtEl>
-                                          <p:spTgt spid="275459"/>
-                                        </p:tgtEl>
-                                      </p:cBhvr>
-                                    </p:animEffect>
-                                  </p:childTnLst>
-                                </p:cTn>
-                              </p:par>
-                            </p:childTnLst>
-                          </p:cTn>
-                        </p:par>
-                      </p:childTnLst>
-                    </p:cTn>
-                  </p:par>
-                </p:childTnLst>
-              </p:cTn>
-              <p:prevCondLst>
-                <p:cond evt="onPrev" delay="0">
-                  <p:tgtEl>
-                    <p:sldTgt/>
-                  </p:tgtEl>
-                </p:cond>
-              </p:prevCondLst>
-              <p:nextCondLst>
-                <p:cond evt="onNext" delay="0">
-                  <p:tgtEl>
-                    <p:sldTgt/>
-                  </p:tgtEl>
-                </p:cond>
-              </p:nextCondLst>
-            </p:seq>
-          </p:childTnLst>
-        </p:cTn>
-      </p:par>
-    </p:tnLst>
-  </p:timing>
 </p:sld>
 </file>
 
